--- a/Steps.pptx
+++ b/Steps.pptx
@@ -7,6 +7,7 @@
   <p:sldIdLst>
     <p:sldId id="256" r:id="rId2"/>
     <p:sldId id="257" r:id="rId3"/>
+    <p:sldId id="258" r:id="rId4"/>
   </p:sldIdLst>
   <p:sldSz cx="9144000" cy="6858000" type="screen4x3"/>
   <p:notesSz cx="6858000" cy="9144000"/>
@@ -305,7 +306,7 @@
           <a:p>
             <a:fld id="{802292CB-329F-4C9E-AFE5-BAC6CB09A498}" type="datetimeFigureOut">
               <a:rPr lang="en-NZ" smtClean="0"/>
-              <a:t>28/02/2018</a:t>
+              <a:t>9/03/2018</a:t>
             </a:fld>
             <a:endParaRPr lang="en-NZ"/>
           </a:p>
@@ -475,7 +476,7 @@
           <a:p>
             <a:fld id="{802292CB-329F-4C9E-AFE5-BAC6CB09A498}" type="datetimeFigureOut">
               <a:rPr lang="en-NZ" smtClean="0"/>
-              <a:t>28/02/2018</a:t>
+              <a:t>9/03/2018</a:t>
             </a:fld>
             <a:endParaRPr lang="en-NZ"/>
           </a:p>
@@ -655,7 +656,7 @@
           <a:p>
             <a:fld id="{802292CB-329F-4C9E-AFE5-BAC6CB09A498}" type="datetimeFigureOut">
               <a:rPr lang="en-NZ" smtClean="0"/>
-              <a:t>28/02/2018</a:t>
+              <a:t>9/03/2018</a:t>
             </a:fld>
             <a:endParaRPr lang="en-NZ"/>
           </a:p>
@@ -825,7 +826,7 @@
           <a:p>
             <a:fld id="{802292CB-329F-4C9E-AFE5-BAC6CB09A498}" type="datetimeFigureOut">
               <a:rPr lang="en-NZ" smtClean="0"/>
-              <a:t>28/02/2018</a:t>
+              <a:t>9/03/2018</a:t>
             </a:fld>
             <a:endParaRPr lang="en-NZ"/>
           </a:p>
@@ -1071,7 +1072,7 @@
           <a:p>
             <a:fld id="{802292CB-329F-4C9E-AFE5-BAC6CB09A498}" type="datetimeFigureOut">
               <a:rPr lang="en-NZ" smtClean="0"/>
-              <a:t>28/02/2018</a:t>
+              <a:t>9/03/2018</a:t>
             </a:fld>
             <a:endParaRPr lang="en-NZ"/>
           </a:p>
@@ -1359,7 +1360,7 @@
           <a:p>
             <a:fld id="{802292CB-329F-4C9E-AFE5-BAC6CB09A498}" type="datetimeFigureOut">
               <a:rPr lang="en-NZ" smtClean="0"/>
-              <a:t>28/02/2018</a:t>
+              <a:t>9/03/2018</a:t>
             </a:fld>
             <a:endParaRPr lang="en-NZ"/>
           </a:p>
@@ -1781,7 +1782,7 @@
           <a:p>
             <a:fld id="{802292CB-329F-4C9E-AFE5-BAC6CB09A498}" type="datetimeFigureOut">
               <a:rPr lang="en-NZ" smtClean="0"/>
-              <a:t>28/02/2018</a:t>
+              <a:t>9/03/2018</a:t>
             </a:fld>
             <a:endParaRPr lang="en-NZ"/>
           </a:p>
@@ -1899,7 +1900,7 @@
           <a:p>
             <a:fld id="{802292CB-329F-4C9E-AFE5-BAC6CB09A498}" type="datetimeFigureOut">
               <a:rPr lang="en-NZ" smtClean="0"/>
-              <a:t>28/02/2018</a:t>
+              <a:t>9/03/2018</a:t>
             </a:fld>
             <a:endParaRPr lang="en-NZ"/>
           </a:p>
@@ -1994,7 +1995,7 @@
           <a:p>
             <a:fld id="{802292CB-329F-4C9E-AFE5-BAC6CB09A498}" type="datetimeFigureOut">
               <a:rPr lang="en-NZ" smtClean="0"/>
-              <a:t>28/02/2018</a:t>
+              <a:t>9/03/2018</a:t>
             </a:fld>
             <a:endParaRPr lang="en-NZ"/>
           </a:p>
@@ -2271,7 +2272,7 @@
           <a:p>
             <a:fld id="{802292CB-329F-4C9E-AFE5-BAC6CB09A498}" type="datetimeFigureOut">
               <a:rPr lang="en-NZ" smtClean="0"/>
-              <a:t>28/02/2018</a:t>
+              <a:t>9/03/2018</a:t>
             </a:fld>
             <a:endParaRPr lang="en-NZ"/>
           </a:p>
@@ -2528,7 +2529,7 @@
           <a:p>
             <a:fld id="{802292CB-329F-4C9E-AFE5-BAC6CB09A498}" type="datetimeFigureOut">
               <a:rPr lang="en-NZ" smtClean="0"/>
-              <a:t>28/02/2018</a:t>
+              <a:t>9/03/2018</a:t>
             </a:fld>
             <a:endParaRPr lang="en-NZ"/>
           </a:p>
@@ -2741,7 +2742,7 @@
           <a:p>
             <a:fld id="{802292CB-329F-4C9E-AFE5-BAC6CB09A498}" type="datetimeFigureOut">
               <a:rPr lang="en-NZ" smtClean="0"/>
-              <a:t>28/02/2018</a:t>
+              <a:t>9/03/2018</a:t>
             </a:fld>
             <a:endParaRPr lang="en-NZ"/>
           </a:p>
@@ -4288,7 +4289,6 @@
               <a:rPr lang="en-NZ" sz="1000" dirty="0" smtClean="0"/>
               <a:t>Linearly interpolate LVP segments between cardiac time points</a:t>
             </a:r>
-            <a:endParaRPr lang="en-NZ" sz="1000" dirty="0" smtClean="0"/>
           </a:p>
         </p:txBody>
       </p:sp>
@@ -4353,7 +4353,6 @@
               <a:rPr lang="en-NZ" sz="1000" dirty="0" smtClean="0"/>
               <a:t>Plot final LVP trace and PV loop</a:t>
             </a:r>
-            <a:endParaRPr lang="en-NZ" sz="1000" dirty="0" smtClean="0"/>
           </a:p>
         </p:txBody>
       </p:sp>
@@ -4497,7 +4496,6 @@
               <a:rPr lang="en-NZ" sz="1000" dirty="0" smtClean="0"/>
               <a:t>Write out final text file with image number and LV pressures</a:t>
             </a:r>
-            <a:endParaRPr lang="en-NZ" sz="1000" dirty="0" smtClean="0"/>
           </a:p>
         </p:txBody>
       </p:sp>
@@ -4660,6 +4658,1309 @@
     <p:extLst>
       <p:ext uri="{BB962C8B-B14F-4D97-AF65-F5344CB8AC3E}">
         <p14:creationId xmlns:p14="http://schemas.microsoft.com/office/powerpoint/2010/main" val="3112368855"/>
+      </p:ext>
+    </p:extLst>
+  </p:cSld>
+  <p:clrMapOvr>
+    <a:masterClrMapping/>
+  </p:clrMapOvr>
+</p:sld>
+</file>
+
+<file path=ppt/slides/slide3.xml><?xml version="1.0" encoding="utf-8"?>
+<p:sld xmlns:a="http://schemas.openxmlformats.org/drawingml/2006/main" xmlns:r="http://schemas.openxmlformats.org/officeDocument/2006/relationships" xmlns:p="http://schemas.openxmlformats.org/presentationml/2006/main">
+  <p:cSld>
+    <p:spTree>
+      <p:nvGrpSpPr>
+        <p:cNvPr id="1" name=""/>
+        <p:cNvGrpSpPr/>
+        <p:nvPr/>
+      </p:nvGrpSpPr>
+      <p:grpSpPr>
+        <a:xfrm>
+          <a:off x="0" y="0"/>
+          <a:ext cx="0" cy="0"/>
+          <a:chOff x="0" y="0"/>
+          <a:chExt cx="0" cy="0"/>
+        </a:xfrm>
+      </p:grpSpPr>
+      <p:pic>
+        <p:nvPicPr>
+          <p:cNvPr id="61" name="Picture 60"/>
+          <p:cNvPicPr>
+            <a:picLocks noChangeAspect="1"/>
+          </p:cNvPicPr>
+          <p:nvPr/>
+        </p:nvPicPr>
+        <p:blipFill rotWithShape="1">
+          <a:blip r:embed="rId2"/>
+          <a:srcRect l="52362" t="27600" r="31613" b="8000"/>
+          <a:stretch/>
+        </p:blipFill>
+        <p:spPr>
+          <a:xfrm>
+            <a:off x="1223542" y="4162663"/>
+            <a:ext cx="2316602" cy="2618177"/>
+          </a:xfrm>
+          <a:prstGeom prst="rect">
+            <a:avLst/>
+          </a:prstGeom>
+        </p:spPr>
+      </p:pic>
+      <p:sp>
+        <p:nvSpPr>
+          <p:cNvPr id="4" name="TextBox 3"/>
+          <p:cNvSpPr txBox="1"/>
+          <p:nvPr/>
+        </p:nvSpPr>
+        <p:spPr>
+          <a:xfrm>
+            <a:off x="539552" y="188640"/>
+            <a:ext cx="8064896" cy="1015663"/>
+          </a:xfrm>
+          <a:prstGeom prst="rect">
+            <a:avLst/>
+          </a:prstGeom>
+          <a:solidFill>
+            <a:schemeClr val="accent6">
+              <a:lumMod val="20000"/>
+              <a:lumOff val="80000"/>
+            </a:schemeClr>
+          </a:solidFill>
+          <a:ln>
+            <a:solidFill>
+              <a:schemeClr val="tx1"/>
+            </a:solidFill>
+          </a:ln>
+        </p:spPr>
+        <p:txBody>
+          <a:bodyPr wrap="square" rtlCol="0">
+            <a:spAutoFit/>
+          </a:bodyPr>
+          <a:lstStyle/>
+          <a:p>
+            <a:pPr algn="ctr"/>
+            <a:r>
+              <a:rPr lang="en-NZ" sz="1000" dirty="0" smtClean="0"/>
+              <a:t>Detect cardiac events:</a:t>
+            </a:r>
+          </a:p>
+          <a:p>
+            <a:pPr algn="ctr"/>
+            <a:r>
+              <a:rPr lang="en-NZ" sz="1000" dirty="0" smtClean="0"/>
+              <a:t>1) ED (a)</a:t>
+            </a:r>
+          </a:p>
+          <a:p>
+            <a:pPr algn="ctr"/>
+            <a:r>
+              <a:rPr lang="en-NZ" sz="1000" dirty="0" smtClean="0"/>
+              <a:t>2) DS (a)</a:t>
+            </a:r>
+          </a:p>
+          <a:p>
+            <a:pPr algn="ctr"/>
+            <a:r>
+              <a:rPr lang="en-NZ" sz="1000" dirty="0" smtClean="0"/>
+              <a:t>3) ES (</a:t>
+            </a:r>
+            <a:r>
+              <a:rPr lang="en-NZ" sz="1000" dirty="0" err="1" smtClean="0"/>
+              <a:t>ui</a:t>
+            </a:r>
+            <a:r>
+              <a:rPr lang="en-NZ" sz="1000" dirty="0" smtClean="0"/>
+              <a:t>)</a:t>
+            </a:r>
+          </a:p>
+          <a:p>
+            <a:pPr algn="ctr"/>
+            <a:r>
+              <a:rPr lang="en-NZ" sz="1000" dirty="0" smtClean="0"/>
+              <a:t>4) </a:t>
+            </a:r>
+            <a:r>
+              <a:rPr lang="en-NZ" sz="1000" dirty="0" err="1" smtClean="0"/>
+              <a:t>eIVC</a:t>
+            </a:r>
+            <a:r>
+              <a:rPr lang="en-NZ" sz="1000" dirty="0" smtClean="0"/>
+              <a:t> (a)</a:t>
+            </a:r>
+          </a:p>
+          <a:p>
+            <a:pPr algn="ctr"/>
+            <a:r>
+              <a:rPr lang="en-NZ" sz="1000" dirty="0" smtClean="0"/>
+              <a:t>5) </a:t>
+            </a:r>
+            <a:r>
+              <a:rPr lang="en-NZ" sz="1000" dirty="0" err="1" smtClean="0"/>
+              <a:t>eIVR</a:t>
+            </a:r>
+            <a:r>
+              <a:rPr lang="en-NZ" sz="1000" dirty="0" smtClean="0"/>
+              <a:t> (a)</a:t>
+            </a:r>
+          </a:p>
+        </p:txBody>
+      </p:sp>
+      <p:grpSp>
+        <p:nvGrpSpPr>
+          <p:cNvPr id="60" name="Group 59"/>
+          <p:cNvGrpSpPr/>
+          <p:nvPr/>
+        </p:nvGrpSpPr>
+        <p:grpSpPr>
+          <a:xfrm>
+            <a:off x="755576" y="1484784"/>
+            <a:ext cx="7938722" cy="4278031"/>
+            <a:chOff x="251520" y="1399193"/>
+            <a:chExt cx="7938722" cy="4278031"/>
+          </a:xfrm>
+        </p:grpSpPr>
+        <p:sp>
+          <p:nvSpPr>
+            <p:cNvPr id="15" name="TextBox 14"/>
+            <p:cNvSpPr txBox="1"/>
+            <p:nvPr/>
+          </p:nvSpPr>
+          <p:spPr>
+            <a:xfrm>
+              <a:off x="3869921" y="1880492"/>
+              <a:ext cx="450051" cy="246221"/>
+            </a:xfrm>
+            <a:prstGeom prst="rect">
+              <a:avLst/>
+            </a:prstGeom>
+            <a:noFill/>
+            <a:ln>
+              <a:noFill/>
+            </a:ln>
+          </p:spPr>
+          <p:txBody>
+            <a:bodyPr wrap="square" rtlCol="0">
+              <a:spAutoFit/>
+            </a:bodyPr>
+            <a:lstStyle/>
+            <a:p>
+              <a:pPr algn="ctr"/>
+              <a:r>
+                <a:rPr lang="en-NZ" sz="1000" dirty="0" smtClean="0"/>
+                <a:t>No</a:t>
+              </a:r>
+            </a:p>
+          </p:txBody>
+        </p:sp>
+        <p:sp>
+          <p:nvSpPr>
+            <p:cNvPr id="19" name="TextBox 18"/>
+            <p:cNvSpPr txBox="1"/>
+            <p:nvPr/>
+          </p:nvSpPr>
+          <p:spPr>
+            <a:xfrm>
+              <a:off x="5130062" y="2003603"/>
+              <a:ext cx="1620180" cy="1100495"/>
+            </a:xfrm>
+            <a:prstGeom prst="flowChartDecision">
+              <a:avLst/>
+            </a:prstGeom>
+            <a:solidFill>
+              <a:schemeClr val="accent6">
+                <a:lumMod val="20000"/>
+                <a:lumOff val="80000"/>
+              </a:schemeClr>
+            </a:solidFill>
+            <a:ln>
+              <a:solidFill>
+                <a:schemeClr val="tx1"/>
+              </a:solidFill>
+            </a:ln>
+          </p:spPr>
+          <p:txBody>
+            <a:bodyPr wrap="square" rtlCol="0">
+              <a:spAutoFit/>
+            </a:bodyPr>
+            <a:lstStyle/>
+            <a:p>
+              <a:pPr algn="ctr"/>
+              <a:r>
+                <a:rPr lang="en-NZ" sz="1000" dirty="0" err="1" smtClean="0"/>
+                <a:t>i</a:t>
+              </a:r>
+              <a:r>
+                <a:rPr lang="en-NZ" sz="1000" dirty="0" smtClean="0"/>
+                <a:t> &lt;= </a:t>
+              </a:r>
+              <a:r>
+                <a:rPr lang="en-NZ" sz="1000" dirty="0" err="1" smtClean="0"/>
+                <a:t>num</a:t>
+              </a:r>
+              <a:r>
+                <a:rPr lang="en-NZ" sz="1000" dirty="0" smtClean="0"/>
+                <a:t> LVP cycles?</a:t>
+              </a:r>
+              <a:endParaRPr lang="en-NZ" sz="1000" dirty="0" smtClean="0"/>
+            </a:p>
+          </p:txBody>
+        </p:sp>
+        <p:grpSp>
+          <p:nvGrpSpPr>
+            <p:cNvPr id="22" name="Group 21"/>
+            <p:cNvGrpSpPr/>
+            <p:nvPr/>
+          </p:nvGrpSpPr>
+          <p:grpSpPr>
+            <a:xfrm>
+              <a:off x="1426221" y="1399193"/>
+              <a:ext cx="1944216" cy="3231877"/>
+              <a:chOff x="1426221" y="1399193"/>
+              <a:chExt cx="1944216" cy="3231877"/>
+            </a:xfrm>
+          </p:grpSpPr>
+          <p:sp>
+            <p:nvSpPr>
+              <p:cNvPr id="5" name="TextBox 4"/>
+              <p:cNvSpPr txBox="1"/>
+              <p:nvPr/>
+            </p:nvSpPr>
+            <p:spPr>
+              <a:xfrm>
+                <a:off x="1462225" y="2003603"/>
+                <a:ext cx="1620180" cy="1100495"/>
+              </a:xfrm>
+              <a:prstGeom prst="flowChartDecision">
+                <a:avLst/>
+              </a:prstGeom>
+              <a:solidFill>
+                <a:schemeClr val="accent6">
+                  <a:lumMod val="20000"/>
+                  <a:lumOff val="80000"/>
+                </a:schemeClr>
+              </a:solidFill>
+              <a:ln>
+                <a:solidFill>
+                  <a:schemeClr val="tx1"/>
+                </a:solidFill>
+              </a:ln>
+            </p:spPr>
+            <p:txBody>
+              <a:bodyPr wrap="square" rtlCol="0">
+                <a:spAutoFit/>
+              </a:bodyPr>
+              <a:lstStyle/>
+              <a:p>
+                <a:pPr algn="ctr"/>
+                <a:r>
+                  <a:rPr lang="en-NZ" sz="1000" dirty="0" err="1" smtClean="0"/>
+                  <a:t>i</a:t>
+                </a:r>
+                <a:r>
+                  <a:rPr lang="en-NZ" sz="1000" dirty="0" smtClean="0"/>
+                  <a:t> &lt;= </a:t>
+                </a:r>
+                <a:r>
+                  <a:rPr lang="en-NZ" sz="1000" dirty="0" err="1" smtClean="0"/>
+                  <a:t>num</a:t>
+                </a:r>
+                <a:r>
+                  <a:rPr lang="en-NZ" sz="1000" dirty="0" smtClean="0"/>
+                  <a:t> AOP cycles?</a:t>
+                </a:r>
+                <a:endParaRPr lang="en-NZ" sz="1000" dirty="0" smtClean="0"/>
+              </a:p>
+            </p:txBody>
+          </p:sp>
+          <p:cxnSp>
+            <p:nvCxnSpPr>
+              <p:cNvPr id="6" name="Straight Arrow Connector 5"/>
+              <p:cNvCxnSpPr/>
+              <p:nvPr/>
+            </p:nvCxnSpPr>
+            <p:spPr>
+              <a:xfrm>
+                <a:off x="2272315" y="3104098"/>
+                <a:ext cx="0" cy="360000"/>
+              </a:xfrm>
+              <a:prstGeom prst="straightConnector1">
+                <a:avLst/>
+              </a:prstGeom>
+              <a:ln>
+                <a:tailEnd type="triangle"/>
+              </a:ln>
+            </p:spPr>
+            <p:style>
+              <a:lnRef idx="1">
+                <a:schemeClr val="accent1"/>
+              </a:lnRef>
+              <a:fillRef idx="0">
+                <a:schemeClr val="accent1"/>
+              </a:fillRef>
+              <a:effectRef idx="0">
+                <a:schemeClr val="accent1"/>
+              </a:effectRef>
+              <a:fontRef idx="minor">
+                <a:schemeClr val="tx1"/>
+              </a:fontRef>
+            </p:style>
+          </p:cxnSp>
+          <p:sp>
+            <p:nvSpPr>
+              <p:cNvPr id="9" name="TextBox 8"/>
+              <p:cNvSpPr txBox="1"/>
+              <p:nvPr/>
+            </p:nvSpPr>
+            <p:spPr>
+              <a:xfrm>
+                <a:off x="1696251" y="3468508"/>
+                <a:ext cx="1152128" cy="246221"/>
+              </a:xfrm>
+              <a:prstGeom prst="rect">
+                <a:avLst/>
+              </a:prstGeom>
+              <a:solidFill>
+                <a:schemeClr val="accent6">
+                  <a:lumMod val="20000"/>
+                  <a:lumOff val="80000"/>
+                </a:schemeClr>
+              </a:solidFill>
+              <a:ln>
+                <a:solidFill>
+                  <a:schemeClr val="tx1"/>
+                </a:solidFill>
+              </a:ln>
+            </p:spPr>
+            <p:txBody>
+              <a:bodyPr wrap="square" rtlCol="0">
+                <a:spAutoFit/>
+              </a:bodyPr>
+              <a:lstStyle/>
+              <a:p>
+                <a:pPr algn="ctr"/>
+                <a:r>
+                  <a:rPr lang="en-NZ" sz="1000" dirty="0" smtClean="0"/>
+                  <a:t>Identify </a:t>
+                </a:r>
+                <a:r>
+                  <a:rPr lang="en-NZ" sz="1000" dirty="0" err="1" smtClean="0"/>
+                  <a:t>eIVC</a:t>
+                </a:r>
+                <a:endParaRPr lang="en-NZ" sz="1000" dirty="0" smtClean="0"/>
+              </a:p>
+            </p:txBody>
+          </p:sp>
+          <p:cxnSp>
+            <p:nvCxnSpPr>
+              <p:cNvPr id="10" name="Straight Arrow Connector 9"/>
+              <p:cNvCxnSpPr/>
+              <p:nvPr/>
+            </p:nvCxnSpPr>
+            <p:spPr>
+              <a:xfrm>
+                <a:off x="2272315" y="3717072"/>
+                <a:ext cx="0" cy="360000"/>
+              </a:xfrm>
+              <a:prstGeom prst="straightConnector1">
+                <a:avLst/>
+              </a:prstGeom>
+              <a:ln>
+                <a:tailEnd type="triangle"/>
+              </a:ln>
+            </p:spPr>
+            <p:style>
+              <a:lnRef idx="1">
+                <a:schemeClr val="accent1"/>
+              </a:lnRef>
+              <a:fillRef idx="0">
+                <a:schemeClr val="accent1"/>
+              </a:fillRef>
+              <a:effectRef idx="0">
+                <a:schemeClr val="accent1"/>
+              </a:effectRef>
+              <a:fontRef idx="minor">
+                <a:schemeClr val="tx1"/>
+              </a:fontRef>
+            </p:style>
+          </p:cxnSp>
+          <p:sp>
+            <p:nvSpPr>
+              <p:cNvPr id="12" name="TextBox 11"/>
+              <p:cNvSpPr txBox="1"/>
+              <p:nvPr/>
+            </p:nvSpPr>
+            <p:spPr>
+              <a:xfrm>
+                <a:off x="1426221" y="4077072"/>
+                <a:ext cx="1944216" cy="553998"/>
+              </a:xfrm>
+              <a:prstGeom prst="rect">
+                <a:avLst/>
+              </a:prstGeom>
+              <a:solidFill>
+                <a:schemeClr val="accent1">
+                  <a:lumMod val="40000"/>
+                  <a:lumOff val="60000"/>
+                </a:schemeClr>
+              </a:solidFill>
+              <a:ln>
+                <a:solidFill>
+                  <a:schemeClr val="tx1"/>
+                </a:solidFill>
+              </a:ln>
+            </p:spPr>
+            <p:txBody>
+              <a:bodyPr wrap="square" rtlCol="0">
+                <a:spAutoFit/>
+              </a:bodyPr>
+              <a:lstStyle/>
+              <a:p>
+                <a:pPr algn="ctr"/>
+                <a:r>
+                  <a:rPr lang="en-NZ" sz="1000" dirty="0" smtClean="0"/>
+                  <a:t>Identify ES </a:t>
+                </a:r>
+                <a:r>
+                  <a:rPr lang="en-NZ" sz="1000" dirty="0" smtClean="0">
+                    <a:sym typeface="Wingdings" panose="05000000000000000000" pitchFamily="2" charset="2"/>
+                  </a:rPr>
+                  <a:t></a:t>
+                </a:r>
+                <a:endParaRPr lang="en-NZ" sz="1000" dirty="0" smtClean="0"/>
+              </a:p>
+              <a:p>
+                <a:pPr algn="ctr"/>
+                <a:r>
+                  <a:rPr lang="en-NZ" sz="1000" dirty="0" smtClean="0"/>
+                  <a:t>UI</a:t>
+                </a:r>
+                <a:r>
+                  <a:rPr lang="en-NZ" sz="1000" dirty="0" smtClean="0"/>
+                  <a:t>: </a:t>
+                </a:r>
+                <a:r>
+                  <a:rPr lang="en-NZ" sz="1000" dirty="0" smtClean="0"/>
+                  <a:t>Identify </a:t>
+                </a:r>
+                <a:r>
+                  <a:rPr lang="en-NZ" sz="1000" dirty="0" err="1" smtClean="0"/>
+                  <a:t>dicrotic</a:t>
+                </a:r>
+                <a:r>
+                  <a:rPr lang="en-NZ" sz="1000" dirty="0" smtClean="0"/>
+                  <a:t> notch in AOP</a:t>
+                </a:r>
+                <a:endParaRPr lang="en-NZ" sz="1000" dirty="0" smtClean="0"/>
+              </a:p>
+            </p:txBody>
+          </p:sp>
+          <p:sp>
+            <p:nvSpPr>
+              <p:cNvPr id="13" name="TextBox 12"/>
+              <p:cNvSpPr txBox="1"/>
+              <p:nvPr/>
+            </p:nvSpPr>
+            <p:spPr>
+              <a:xfrm>
+                <a:off x="2335322" y="3146137"/>
+                <a:ext cx="450051" cy="246221"/>
+              </a:xfrm>
+              <a:prstGeom prst="rect">
+                <a:avLst/>
+              </a:prstGeom>
+              <a:solidFill>
+                <a:schemeClr val="bg1"/>
+              </a:solidFill>
+              <a:ln>
+                <a:noFill/>
+              </a:ln>
+            </p:spPr>
+            <p:txBody>
+              <a:bodyPr wrap="square" rtlCol="0">
+                <a:spAutoFit/>
+              </a:bodyPr>
+              <a:lstStyle/>
+              <a:p>
+                <a:pPr algn="ctr"/>
+                <a:r>
+                  <a:rPr lang="en-NZ" sz="1000" dirty="0" smtClean="0"/>
+                  <a:t>Yes</a:t>
+                </a:r>
+              </a:p>
+            </p:txBody>
+          </p:sp>
+          <p:cxnSp>
+            <p:nvCxnSpPr>
+              <p:cNvPr id="14" name="Elbow Connector 13"/>
+              <p:cNvCxnSpPr>
+                <a:stCxn id="12" idx="1"/>
+                <a:endCxn id="5" idx="1"/>
+              </p:cNvCxnSpPr>
+              <p:nvPr/>
+            </p:nvCxnSpPr>
+            <p:spPr>
+              <a:xfrm rot="10800000" flipH="1">
+                <a:off x="1426221" y="2553851"/>
+                <a:ext cx="36004" cy="1800220"/>
+              </a:xfrm>
+              <a:prstGeom prst="bentConnector3">
+                <a:avLst>
+                  <a:gd name="adj1" fmla="val -634929"/>
+                </a:avLst>
+              </a:prstGeom>
+              <a:ln>
+                <a:tailEnd type="triangle"/>
+              </a:ln>
+            </p:spPr>
+            <p:style>
+              <a:lnRef idx="1">
+                <a:schemeClr val="accent1"/>
+              </a:lnRef>
+              <a:fillRef idx="0">
+                <a:schemeClr val="accent1"/>
+              </a:fillRef>
+              <a:effectRef idx="0">
+                <a:schemeClr val="accent1"/>
+              </a:effectRef>
+              <a:fontRef idx="minor">
+                <a:schemeClr val="tx1"/>
+              </a:fontRef>
+            </p:style>
+          </p:cxnSp>
+          <p:sp>
+            <p:nvSpPr>
+              <p:cNvPr id="20" name="TextBox 19"/>
+              <p:cNvSpPr txBox="1"/>
+              <p:nvPr/>
+            </p:nvSpPr>
+            <p:spPr>
+              <a:xfrm>
+                <a:off x="1696251" y="1399193"/>
+                <a:ext cx="1152128" cy="246221"/>
+              </a:xfrm>
+              <a:prstGeom prst="rect">
+                <a:avLst/>
+              </a:prstGeom>
+              <a:solidFill>
+                <a:schemeClr val="accent6">
+                  <a:lumMod val="20000"/>
+                  <a:lumOff val="80000"/>
+                </a:schemeClr>
+              </a:solidFill>
+              <a:ln>
+                <a:solidFill>
+                  <a:schemeClr val="tx1"/>
+                </a:solidFill>
+              </a:ln>
+            </p:spPr>
+            <p:txBody>
+              <a:bodyPr wrap="square" rtlCol="0">
+                <a:spAutoFit/>
+              </a:bodyPr>
+              <a:lstStyle/>
+              <a:p>
+                <a:pPr algn="ctr"/>
+                <a:r>
+                  <a:rPr lang="en-NZ" sz="1000" dirty="0" err="1" smtClean="0"/>
+                  <a:t>i</a:t>
+                </a:r>
+                <a:r>
+                  <a:rPr lang="en-NZ" sz="1000" dirty="0" smtClean="0"/>
+                  <a:t> = 0</a:t>
+                </a:r>
+                <a:endParaRPr lang="en-NZ" sz="1000" dirty="0" smtClean="0"/>
+              </a:p>
+            </p:txBody>
+          </p:sp>
+          <p:cxnSp>
+            <p:nvCxnSpPr>
+              <p:cNvPr id="21" name="Straight Arrow Connector 20"/>
+              <p:cNvCxnSpPr>
+                <a:stCxn id="20" idx="2"/>
+              </p:cNvCxnSpPr>
+              <p:nvPr/>
+            </p:nvCxnSpPr>
+            <p:spPr>
+              <a:xfrm>
+                <a:off x="2272315" y="1645414"/>
+                <a:ext cx="0" cy="358189"/>
+              </a:xfrm>
+              <a:prstGeom prst="straightConnector1">
+                <a:avLst/>
+              </a:prstGeom>
+              <a:ln>
+                <a:tailEnd type="triangle"/>
+              </a:ln>
+            </p:spPr>
+            <p:style>
+              <a:lnRef idx="1">
+                <a:schemeClr val="accent1"/>
+              </a:lnRef>
+              <a:fillRef idx="0">
+                <a:schemeClr val="accent1"/>
+              </a:fillRef>
+              <a:effectRef idx="0">
+                <a:schemeClr val="accent1"/>
+              </a:effectRef>
+              <a:fontRef idx="minor">
+                <a:schemeClr val="tx1"/>
+              </a:fontRef>
+            </p:style>
+          </p:cxnSp>
+        </p:grpSp>
+        <p:sp>
+          <p:nvSpPr>
+            <p:cNvPr id="27" name="TextBox 26"/>
+            <p:cNvSpPr txBox="1"/>
+            <p:nvPr/>
+          </p:nvSpPr>
+          <p:spPr>
+            <a:xfrm>
+              <a:off x="5364088" y="1399193"/>
+              <a:ext cx="1152128" cy="246221"/>
+            </a:xfrm>
+            <a:prstGeom prst="rect">
+              <a:avLst/>
+            </a:prstGeom>
+            <a:solidFill>
+              <a:schemeClr val="accent6">
+                <a:lumMod val="20000"/>
+                <a:lumOff val="80000"/>
+              </a:schemeClr>
+            </a:solidFill>
+            <a:ln>
+              <a:solidFill>
+                <a:schemeClr val="tx1"/>
+              </a:solidFill>
+            </a:ln>
+          </p:spPr>
+          <p:txBody>
+            <a:bodyPr wrap="square" rtlCol="0">
+              <a:spAutoFit/>
+            </a:bodyPr>
+            <a:lstStyle/>
+            <a:p>
+              <a:pPr algn="ctr"/>
+              <a:r>
+                <a:rPr lang="en-NZ" sz="1000" dirty="0" err="1" smtClean="0"/>
+                <a:t>i</a:t>
+              </a:r>
+              <a:r>
+                <a:rPr lang="en-NZ" sz="1000" dirty="0" smtClean="0"/>
+                <a:t> = 0</a:t>
+              </a:r>
+              <a:endParaRPr lang="en-NZ" sz="1000" dirty="0" smtClean="0"/>
+            </a:p>
+          </p:txBody>
+        </p:sp>
+        <p:cxnSp>
+          <p:nvCxnSpPr>
+            <p:cNvPr id="28" name="Straight Arrow Connector 27"/>
+            <p:cNvCxnSpPr>
+              <a:stCxn id="27" idx="2"/>
+            </p:cNvCxnSpPr>
+            <p:nvPr/>
+          </p:nvCxnSpPr>
+          <p:spPr>
+            <a:xfrm>
+              <a:off x="5940152" y="1645414"/>
+              <a:ext cx="0" cy="358189"/>
+            </a:xfrm>
+            <a:prstGeom prst="straightConnector1">
+              <a:avLst/>
+            </a:prstGeom>
+            <a:ln>
+              <a:tailEnd type="triangle"/>
+            </a:ln>
+          </p:spPr>
+          <p:style>
+            <a:lnRef idx="1">
+              <a:schemeClr val="accent1"/>
+            </a:lnRef>
+            <a:fillRef idx="0">
+              <a:schemeClr val="accent1"/>
+            </a:fillRef>
+            <a:effectRef idx="0">
+              <a:schemeClr val="accent1"/>
+            </a:effectRef>
+            <a:fontRef idx="minor">
+              <a:schemeClr val="tx1"/>
+            </a:fontRef>
+          </p:style>
+        </p:cxnSp>
+        <p:cxnSp>
+          <p:nvCxnSpPr>
+            <p:cNvPr id="31" name="Elbow Connector 30"/>
+            <p:cNvCxnSpPr>
+              <a:stCxn id="5" idx="3"/>
+              <a:endCxn id="27" idx="1"/>
+            </p:cNvCxnSpPr>
+            <p:nvPr/>
+          </p:nvCxnSpPr>
+          <p:spPr>
+            <a:xfrm flipV="1">
+              <a:off x="3082405" y="1522304"/>
+              <a:ext cx="2281683" cy="1031547"/>
+            </a:xfrm>
+            <a:prstGeom prst="bentConnector3">
+              <a:avLst>
+                <a:gd name="adj1" fmla="val 50000"/>
+              </a:avLst>
+            </a:prstGeom>
+            <a:ln>
+              <a:tailEnd type="triangle"/>
+            </a:ln>
+          </p:spPr>
+          <p:style>
+            <a:lnRef idx="1">
+              <a:schemeClr val="accent1"/>
+            </a:lnRef>
+            <a:fillRef idx="0">
+              <a:schemeClr val="accent1"/>
+            </a:fillRef>
+            <a:effectRef idx="0">
+              <a:schemeClr val="accent1"/>
+            </a:effectRef>
+            <a:fontRef idx="minor">
+              <a:schemeClr val="tx1"/>
+            </a:fontRef>
+          </p:style>
+        </p:cxnSp>
+        <p:cxnSp>
+          <p:nvCxnSpPr>
+            <p:cNvPr id="34" name="Straight Arrow Connector 33"/>
+            <p:cNvCxnSpPr>
+              <a:stCxn id="19" idx="2"/>
+              <a:endCxn id="38" idx="0"/>
+            </p:cNvCxnSpPr>
+            <p:nvPr/>
+          </p:nvCxnSpPr>
+          <p:spPr>
+            <a:xfrm>
+              <a:off x="5940152" y="3104098"/>
+              <a:ext cx="0" cy="352010"/>
+            </a:xfrm>
+            <a:prstGeom prst="straightConnector1">
+              <a:avLst/>
+            </a:prstGeom>
+            <a:ln>
+              <a:tailEnd type="triangle"/>
+            </a:ln>
+          </p:spPr>
+          <p:style>
+            <a:lnRef idx="1">
+              <a:schemeClr val="accent1"/>
+            </a:lnRef>
+            <a:fillRef idx="0">
+              <a:schemeClr val="accent1"/>
+            </a:fillRef>
+            <a:effectRef idx="0">
+              <a:schemeClr val="accent1"/>
+            </a:effectRef>
+            <a:fontRef idx="minor">
+              <a:schemeClr val="tx1"/>
+            </a:fontRef>
+          </p:style>
+        </p:cxnSp>
+        <p:sp>
+          <p:nvSpPr>
+            <p:cNvPr id="35" name="TextBox 34"/>
+            <p:cNvSpPr txBox="1"/>
+            <p:nvPr/>
+          </p:nvSpPr>
+          <p:spPr>
+            <a:xfrm>
+              <a:off x="5938094" y="3145845"/>
+              <a:ext cx="450051" cy="246221"/>
+            </a:xfrm>
+            <a:prstGeom prst="rect">
+              <a:avLst/>
+            </a:prstGeom>
+            <a:solidFill>
+              <a:schemeClr val="bg1"/>
+            </a:solidFill>
+            <a:ln>
+              <a:noFill/>
+            </a:ln>
+          </p:spPr>
+          <p:txBody>
+            <a:bodyPr wrap="square" rtlCol="0">
+              <a:spAutoFit/>
+            </a:bodyPr>
+            <a:lstStyle/>
+            <a:p>
+              <a:pPr algn="ctr"/>
+              <a:r>
+                <a:rPr lang="en-NZ" sz="1000" dirty="0" smtClean="0"/>
+                <a:t>Yes</a:t>
+              </a:r>
+            </a:p>
+          </p:txBody>
+        </p:sp>
+        <p:sp>
+          <p:nvSpPr>
+            <p:cNvPr id="38" name="TextBox 37"/>
+            <p:cNvSpPr txBox="1"/>
+            <p:nvPr/>
+          </p:nvSpPr>
+          <p:spPr>
+            <a:xfrm>
+              <a:off x="5364088" y="3456108"/>
+              <a:ext cx="1152128" cy="246221"/>
+            </a:xfrm>
+            <a:prstGeom prst="rect">
+              <a:avLst/>
+            </a:prstGeom>
+            <a:solidFill>
+              <a:schemeClr val="accent6">
+                <a:lumMod val="20000"/>
+                <a:lumOff val="80000"/>
+              </a:schemeClr>
+            </a:solidFill>
+            <a:ln>
+              <a:solidFill>
+                <a:schemeClr val="tx1"/>
+              </a:solidFill>
+            </a:ln>
+          </p:spPr>
+          <p:txBody>
+            <a:bodyPr wrap="square" rtlCol="0">
+              <a:spAutoFit/>
+            </a:bodyPr>
+            <a:lstStyle/>
+            <a:p>
+              <a:pPr algn="ctr"/>
+              <a:r>
+                <a:rPr lang="en-NZ" sz="1000" dirty="0" smtClean="0"/>
+                <a:t>Identify ED</a:t>
+              </a:r>
+              <a:endParaRPr lang="en-NZ" sz="1000" dirty="0" smtClean="0"/>
+            </a:p>
+          </p:txBody>
+        </p:sp>
+        <p:cxnSp>
+          <p:nvCxnSpPr>
+            <p:cNvPr id="39" name="Straight Arrow Connector 38"/>
+            <p:cNvCxnSpPr/>
+            <p:nvPr/>
+          </p:nvCxnSpPr>
+          <p:spPr>
+            <a:xfrm>
+              <a:off x="5940152" y="3704672"/>
+              <a:ext cx="0" cy="360000"/>
+            </a:xfrm>
+            <a:prstGeom prst="straightConnector1">
+              <a:avLst/>
+            </a:prstGeom>
+            <a:ln>
+              <a:tailEnd type="triangle"/>
+            </a:ln>
+          </p:spPr>
+          <p:style>
+            <a:lnRef idx="1">
+              <a:schemeClr val="accent1"/>
+            </a:lnRef>
+            <a:fillRef idx="0">
+              <a:schemeClr val="accent1"/>
+            </a:fillRef>
+            <a:effectRef idx="0">
+              <a:schemeClr val="accent1"/>
+            </a:effectRef>
+            <a:fontRef idx="minor">
+              <a:schemeClr val="tx1"/>
+            </a:fontRef>
+          </p:style>
+        </p:cxnSp>
+        <p:sp>
+          <p:nvSpPr>
+            <p:cNvPr id="41" name="TextBox 40"/>
+            <p:cNvSpPr txBox="1"/>
+            <p:nvPr/>
+          </p:nvSpPr>
+          <p:spPr>
+            <a:xfrm>
+              <a:off x="5364088" y="4064672"/>
+              <a:ext cx="1152128" cy="246221"/>
+            </a:xfrm>
+            <a:prstGeom prst="rect">
+              <a:avLst/>
+            </a:prstGeom>
+            <a:solidFill>
+              <a:schemeClr val="accent6">
+                <a:lumMod val="20000"/>
+                <a:lumOff val="80000"/>
+              </a:schemeClr>
+            </a:solidFill>
+            <a:ln>
+              <a:solidFill>
+                <a:schemeClr val="tx1"/>
+              </a:solidFill>
+            </a:ln>
+          </p:spPr>
+          <p:txBody>
+            <a:bodyPr wrap="square" rtlCol="0">
+              <a:spAutoFit/>
+            </a:bodyPr>
+            <a:lstStyle/>
+            <a:p>
+              <a:pPr algn="ctr"/>
+              <a:r>
+                <a:rPr lang="en-NZ" sz="1000" dirty="0" smtClean="0"/>
+                <a:t>Identify DS</a:t>
+              </a:r>
+              <a:endParaRPr lang="en-NZ" sz="1000" dirty="0" smtClean="0"/>
+            </a:p>
+          </p:txBody>
+        </p:sp>
+        <p:cxnSp>
+          <p:nvCxnSpPr>
+            <p:cNvPr id="42" name="Straight Arrow Connector 41"/>
+            <p:cNvCxnSpPr/>
+            <p:nvPr/>
+          </p:nvCxnSpPr>
+          <p:spPr>
+            <a:xfrm>
+              <a:off x="5940152" y="4313236"/>
+              <a:ext cx="0" cy="360000"/>
+            </a:xfrm>
+            <a:prstGeom prst="straightConnector1">
+              <a:avLst/>
+            </a:prstGeom>
+            <a:ln>
+              <a:tailEnd type="triangle"/>
+            </a:ln>
+          </p:spPr>
+          <p:style>
+            <a:lnRef idx="1">
+              <a:schemeClr val="accent1"/>
+            </a:lnRef>
+            <a:fillRef idx="0">
+              <a:schemeClr val="accent1"/>
+            </a:fillRef>
+            <a:effectRef idx="0">
+              <a:schemeClr val="accent1"/>
+            </a:effectRef>
+            <a:fontRef idx="minor">
+              <a:schemeClr val="tx1"/>
+            </a:fontRef>
+          </p:style>
+        </p:cxnSp>
+        <p:sp>
+          <p:nvSpPr>
+            <p:cNvPr id="43" name="TextBox 42"/>
+            <p:cNvSpPr txBox="1"/>
+            <p:nvPr/>
+          </p:nvSpPr>
+          <p:spPr>
+            <a:xfrm>
+              <a:off x="5362030" y="4670893"/>
+              <a:ext cx="1152128" cy="246221"/>
+            </a:xfrm>
+            <a:prstGeom prst="rect">
+              <a:avLst/>
+            </a:prstGeom>
+            <a:solidFill>
+              <a:schemeClr val="accent6">
+                <a:lumMod val="20000"/>
+                <a:lumOff val="80000"/>
+              </a:schemeClr>
+            </a:solidFill>
+            <a:ln>
+              <a:solidFill>
+                <a:schemeClr val="tx1"/>
+              </a:solidFill>
+            </a:ln>
+          </p:spPr>
+          <p:txBody>
+            <a:bodyPr wrap="square" rtlCol="0">
+              <a:spAutoFit/>
+            </a:bodyPr>
+            <a:lstStyle/>
+            <a:p>
+              <a:pPr algn="ctr"/>
+              <a:r>
+                <a:rPr lang="en-NZ" sz="1000" dirty="0" smtClean="0"/>
+                <a:t>Identify </a:t>
+              </a:r>
+              <a:r>
+                <a:rPr lang="en-NZ" sz="1000" dirty="0" err="1" smtClean="0"/>
+                <a:t>eIVR</a:t>
+              </a:r>
+              <a:endParaRPr lang="en-NZ" sz="1000" dirty="0" smtClean="0"/>
+            </a:p>
+          </p:txBody>
+        </p:sp>
+        <p:cxnSp>
+          <p:nvCxnSpPr>
+            <p:cNvPr id="44" name="Straight Arrow Connector 43"/>
+            <p:cNvCxnSpPr/>
+            <p:nvPr/>
+          </p:nvCxnSpPr>
+          <p:spPr>
+            <a:xfrm>
+              <a:off x="5938094" y="4919457"/>
+              <a:ext cx="0" cy="360000"/>
+            </a:xfrm>
+            <a:prstGeom prst="straightConnector1">
+              <a:avLst/>
+            </a:prstGeom>
+            <a:ln>
+              <a:tailEnd type="triangle"/>
+            </a:ln>
+          </p:spPr>
+          <p:style>
+            <a:lnRef idx="1">
+              <a:schemeClr val="accent1"/>
+            </a:lnRef>
+            <a:fillRef idx="0">
+              <a:schemeClr val="accent1"/>
+            </a:fillRef>
+            <a:effectRef idx="0">
+              <a:schemeClr val="accent1"/>
+            </a:effectRef>
+            <a:fontRef idx="minor">
+              <a:schemeClr val="tx1"/>
+            </a:fontRef>
+          </p:style>
+        </p:cxnSp>
+        <p:sp>
+          <p:nvSpPr>
+            <p:cNvPr id="45" name="TextBox 44"/>
+            <p:cNvSpPr txBox="1"/>
+            <p:nvPr/>
+          </p:nvSpPr>
+          <p:spPr>
+            <a:xfrm>
+              <a:off x="5362030" y="5277114"/>
+              <a:ext cx="1152128" cy="400110"/>
+            </a:xfrm>
+            <a:prstGeom prst="rect">
+              <a:avLst/>
+            </a:prstGeom>
+            <a:solidFill>
+              <a:schemeClr val="accent6">
+                <a:lumMod val="20000"/>
+                <a:lumOff val="80000"/>
+              </a:schemeClr>
+            </a:solidFill>
+            <a:ln>
+              <a:solidFill>
+                <a:schemeClr val="tx1"/>
+              </a:solidFill>
+            </a:ln>
+          </p:spPr>
+          <p:txBody>
+            <a:bodyPr wrap="square" rtlCol="0">
+              <a:spAutoFit/>
+            </a:bodyPr>
+            <a:lstStyle/>
+            <a:p>
+              <a:pPr algn="ctr"/>
+              <a:r>
+                <a:rPr lang="en-NZ" sz="1000" dirty="0" smtClean="0"/>
+                <a:t>Identify </a:t>
+              </a:r>
+              <a:r>
+                <a:rPr lang="en-NZ" sz="1000" dirty="0" err="1" smtClean="0"/>
+                <a:t>maxLVP</a:t>
+              </a:r>
+              <a:endParaRPr lang="en-NZ" sz="1000" dirty="0" smtClean="0"/>
+            </a:p>
+          </p:txBody>
+        </p:sp>
+        <p:cxnSp>
+          <p:nvCxnSpPr>
+            <p:cNvPr id="49" name="Straight Arrow Connector 48"/>
+            <p:cNvCxnSpPr/>
+            <p:nvPr/>
+          </p:nvCxnSpPr>
+          <p:spPr>
+            <a:xfrm>
+              <a:off x="251520" y="1522304"/>
+              <a:ext cx="1440000" cy="0"/>
+            </a:xfrm>
+            <a:prstGeom prst="straightConnector1">
+              <a:avLst/>
+            </a:prstGeom>
+            <a:ln w="28575">
+              <a:tailEnd type="triangle"/>
+            </a:ln>
+          </p:spPr>
+          <p:style>
+            <a:lnRef idx="1">
+              <a:schemeClr val="accent1"/>
+            </a:lnRef>
+            <a:fillRef idx="0">
+              <a:schemeClr val="accent1"/>
+            </a:fillRef>
+            <a:effectRef idx="0">
+              <a:schemeClr val="accent1"/>
+            </a:effectRef>
+            <a:fontRef idx="minor">
+              <a:schemeClr val="tx1"/>
+            </a:fontRef>
+          </p:style>
+        </p:cxnSp>
+        <p:cxnSp>
+          <p:nvCxnSpPr>
+            <p:cNvPr id="52" name="Straight Arrow Connector 51"/>
+            <p:cNvCxnSpPr>
+              <a:stCxn id="19" idx="3"/>
+            </p:cNvCxnSpPr>
+            <p:nvPr/>
+          </p:nvCxnSpPr>
+          <p:spPr>
+            <a:xfrm>
+              <a:off x="6750242" y="2553851"/>
+              <a:ext cx="1440000" cy="0"/>
+            </a:xfrm>
+            <a:prstGeom prst="straightConnector1">
+              <a:avLst/>
+            </a:prstGeom>
+            <a:ln w="28575">
+              <a:tailEnd type="triangle"/>
+            </a:ln>
+          </p:spPr>
+          <p:style>
+            <a:lnRef idx="1">
+              <a:schemeClr val="accent1"/>
+            </a:lnRef>
+            <a:fillRef idx="0">
+              <a:schemeClr val="accent1"/>
+            </a:fillRef>
+            <a:effectRef idx="0">
+              <a:schemeClr val="accent1"/>
+            </a:effectRef>
+            <a:fontRef idx="minor">
+              <a:schemeClr val="tx1"/>
+            </a:fontRef>
+          </p:style>
+        </p:cxnSp>
+        <p:sp>
+          <p:nvSpPr>
+            <p:cNvPr id="54" name="TextBox 53"/>
+            <p:cNvSpPr txBox="1"/>
+            <p:nvPr/>
+          </p:nvSpPr>
+          <p:spPr>
+            <a:xfrm>
+              <a:off x="7245216" y="2307629"/>
+              <a:ext cx="450051" cy="246221"/>
+            </a:xfrm>
+            <a:prstGeom prst="rect">
+              <a:avLst/>
+            </a:prstGeom>
+            <a:noFill/>
+            <a:ln>
+              <a:noFill/>
+            </a:ln>
+          </p:spPr>
+          <p:txBody>
+            <a:bodyPr wrap="square" rtlCol="0">
+              <a:spAutoFit/>
+            </a:bodyPr>
+            <a:lstStyle/>
+            <a:p>
+              <a:pPr algn="ctr"/>
+              <a:r>
+                <a:rPr lang="en-NZ" sz="1000" dirty="0" smtClean="0"/>
+                <a:t>No</a:t>
+              </a:r>
+            </a:p>
+          </p:txBody>
+        </p:sp>
+        <p:cxnSp>
+          <p:nvCxnSpPr>
+            <p:cNvPr id="55" name="Elbow Connector 54"/>
+            <p:cNvCxnSpPr>
+              <a:stCxn id="45" idx="1"/>
+              <a:endCxn id="19" idx="1"/>
+            </p:cNvCxnSpPr>
+            <p:nvPr/>
+          </p:nvCxnSpPr>
+          <p:spPr>
+            <a:xfrm rot="10800000">
+              <a:off x="5130062" y="2553851"/>
+              <a:ext cx="231968" cy="2923318"/>
+            </a:xfrm>
+            <a:prstGeom prst="bentConnector3">
+              <a:avLst>
+                <a:gd name="adj1" fmla="val 198548"/>
+              </a:avLst>
+            </a:prstGeom>
+            <a:ln>
+              <a:tailEnd type="triangle"/>
+            </a:ln>
+          </p:spPr>
+          <p:style>
+            <a:lnRef idx="1">
+              <a:schemeClr val="accent1"/>
+            </a:lnRef>
+            <a:fillRef idx="0">
+              <a:schemeClr val="accent1"/>
+            </a:fillRef>
+            <a:effectRef idx="0">
+              <a:schemeClr val="accent1"/>
+            </a:effectRef>
+            <a:fontRef idx="minor">
+              <a:schemeClr val="tx1"/>
+            </a:fontRef>
+          </p:style>
+        </p:cxnSp>
+      </p:grpSp>
+      <p:pic>
+        <p:nvPicPr>
+          <p:cNvPr id="62" name="Picture 61"/>
+          <p:cNvPicPr>
+            <a:picLocks noChangeAspect="1"/>
+          </p:cNvPicPr>
+          <p:nvPr/>
+        </p:nvPicPr>
+        <p:blipFill>
+          <a:blip r:embed="rId3"/>
+          <a:stretch>
+            <a:fillRect/>
+          </a:stretch>
+        </p:blipFill>
+        <p:spPr>
+          <a:xfrm>
+            <a:off x="216829" y="5691146"/>
+            <a:ext cx="2280725" cy="706087"/>
+          </a:xfrm>
+          <a:prstGeom prst="rect">
+            <a:avLst/>
+          </a:prstGeom>
+        </p:spPr>
+      </p:pic>
+      <p:pic>
+        <p:nvPicPr>
+          <p:cNvPr id="63" name="Picture 62"/>
+          <p:cNvPicPr>
+            <a:picLocks noChangeAspect="1"/>
+          </p:cNvPicPr>
+          <p:nvPr/>
+        </p:nvPicPr>
+        <p:blipFill>
+          <a:blip r:embed="rId4"/>
+          <a:stretch>
+            <a:fillRect/>
+          </a:stretch>
+        </p:blipFill>
+        <p:spPr>
+          <a:xfrm>
+            <a:off x="3303517" y="4756484"/>
+            <a:ext cx="925143" cy="1999803"/>
+          </a:xfrm>
+          <a:prstGeom prst="rect">
+            <a:avLst/>
+          </a:prstGeom>
+        </p:spPr>
+      </p:pic>
+    </p:spTree>
+    <p:extLst>
+      <p:ext uri="{BB962C8B-B14F-4D97-AF65-F5344CB8AC3E}">
+        <p14:creationId xmlns:p14="http://schemas.microsoft.com/office/powerpoint/2010/main" val="3162746756"/>
       </p:ext>
     </p:extLst>
   </p:cSld>

--- a/Steps.pptx
+++ b/Steps.pptx
@@ -306,7 +306,7 @@
           <a:p>
             <a:fld id="{802292CB-329F-4C9E-AFE5-BAC6CB09A498}" type="datetimeFigureOut">
               <a:rPr lang="en-NZ" smtClean="0"/>
-              <a:t>9/03/2018</a:t>
+              <a:t>9/04/2018</a:t>
             </a:fld>
             <a:endParaRPr lang="en-NZ"/>
           </a:p>
@@ -476,7 +476,7 @@
           <a:p>
             <a:fld id="{802292CB-329F-4C9E-AFE5-BAC6CB09A498}" type="datetimeFigureOut">
               <a:rPr lang="en-NZ" smtClean="0"/>
-              <a:t>9/03/2018</a:t>
+              <a:t>9/04/2018</a:t>
             </a:fld>
             <a:endParaRPr lang="en-NZ"/>
           </a:p>
@@ -656,7 +656,7 @@
           <a:p>
             <a:fld id="{802292CB-329F-4C9E-AFE5-BAC6CB09A498}" type="datetimeFigureOut">
               <a:rPr lang="en-NZ" smtClean="0"/>
-              <a:t>9/03/2018</a:t>
+              <a:t>9/04/2018</a:t>
             </a:fld>
             <a:endParaRPr lang="en-NZ"/>
           </a:p>
@@ -826,7 +826,7 @@
           <a:p>
             <a:fld id="{802292CB-329F-4C9E-AFE5-BAC6CB09A498}" type="datetimeFigureOut">
               <a:rPr lang="en-NZ" smtClean="0"/>
-              <a:t>9/03/2018</a:t>
+              <a:t>9/04/2018</a:t>
             </a:fld>
             <a:endParaRPr lang="en-NZ"/>
           </a:p>
@@ -1072,7 +1072,7 @@
           <a:p>
             <a:fld id="{802292CB-329F-4C9E-AFE5-BAC6CB09A498}" type="datetimeFigureOut">
               <a:rPr lang="en-NZ" smtClean="0"/>
-              <a:t>9/03/2018</a:t>
+              <a:t>9/04/2018</a:t>
             </a:fld>
             <a:endParaRPr lang="en-NZ"/>
           </a:p>
@@ -1360,7 +1360,7 @@
           <a:p>
             <a:fld id="{802292CB-329F-4C9E-AFE5-BAC6CB09A498}" type="datetimeFigureOut">
               <a:rPr lang="en-NZ" smtClean="0"/>
-              <a:t>9/03/2018</a:t>
+              <a:t>9/04/2018</a:t>
             </a:fld>
             <a:endParaRPr lang="en-NZ"/>
           </a:p>
@@ -1782,7 +1782,7 @@
           <a:p>
             <a:fld id="{802292CB-329F-4C9E-AFE5-BAC6CB09A498}" type="datetimeFigureOut">
               <a:rPr lang="en-NZ" smtClean="0"/>
-              <a:t>9/03/2018</a:t>
+              <a:t>9/04/2018</a:t>
             </a:fld>
             <a:endParaRPr lang="en-NZ"/>
           </a:p>
@@ -1900,7 +1900,7 @@
           <a:p>
             <a:fld id="{802292CB-329F-4C9E-AFE5-BAC6CB09A498}" type="datetimeFigureOut">
               <a:rPr lang="en-NZ" smtClean="0"/>
-              <a:t>9/03/2018</a:t>
+              <a:t>9/04/2018</a:t>
             </a:fld>
             <a:endParaRPr lang="en-NZ"/>
           </a:p>
@@ -1995,7 +1995,7 @@
           <a:p>
             <a:fld id="{802292CB-329F-4C9E-AFE5-BAC6CB09A498}" type="datetimeFigureOut">
               <a:rPr lang="en-NZ" smtClean="0"/>
-              <a:t>9/03/2018</a:t>
+              <a:t>9/04/2018</a:t>
             </a:fld>
             <a:endParaRPr lang="en-NZ"/>
           </a:p>
@@ -2272,7 +2272,7 @@
           <a:p>
             <a:fld id="{802292CB-329F-4C9E-AFE5-BAC6CB09A498}" type="datetimeFigureOut">
               <a:rPr lang="en-NZ" smtClean="0"/>
-              <a:t>9/03/2018</a:t>
+              <a:t>9/04/2018</a:t>
             </a:fld>
             <a:endParaRPr lang="en-NZ"/>
           </a:p>
@@ -2529,7 +2529,7 @@
           <a:p>
             <a:fld id="{802292CB-329F-4C9E-AFE5-BAC6CB09A498}" type="datetimeFigureOut">
               <a:rPr lang="en-NZ" smtClean="0"/>
-              <a:t>9/03/2018</a:t>
+              <a:t>9/04/2018</a:t>
             </a:fld>
             <a:endParaRPr lang="en-NZ"/>
           </a:p>
@@ -2742,7 +2742,7 @@
           <a:p>
             <a:fld id="{802292CB-329F-4C9E-AFE5-BAC6CB09A498}" type="datetimeFigureOut">
               <a:rPr lang="en-NZ" smtClean="0"/>
-              <a:t>9/03/2018</a:t>
+              <a:t>9/04/2018</a:t>
             </a:fld>
             <a:endParaRPr lang="en-NZ"/>
           </a:p>
@@ -4122,7 +4122,11 @@
             <a:pPr algn="ctr"/>
             <a:r>
               <a:rPr lang="en-NZ" sz="1000" dirty="0" smtClean="0"/>
-              <a:t>Detect cardiac events:</a:t>
+              <a:t>*Detect </a:t>
+            </a:r>
+            <a:r>
+              <a:rPr lang="en-NZ" sz="1000" dirty="0" smtClean="0"/>
+              <a:t>cardiac events:</a:t>
             </a:r>
           </a:p>
           <a:p>
@@ -4902,7 +4906,6 @@
                 <a:rPr lang="en-NZ" sz="1000" dirty="0" smtClean="0"/>
                 <a:t> LVP cycles?</a:t>
               </a:r>
-              <a:endParaRPr lang="en-NZ" sz="1000" dirty="0" smtClean="0"/>
             </a:p>
           </p:txBody>
         </p:sp>
@@ -4969,7 +4972,6 @@
                   <a:rPr lang="en-NZ" sz="1000" dirty="0" smtClean="0"/>
                   <a:t> AOP cycles?</a:t>
                 </a:r>
-                <a:endParaRPr lang="en-NZ" sz="1000" dirty="0" smtClean="0"/>
               </a:p>
             </p:txBody>
           </p:sp>
@@ -5133,15 +5135,7 @@
                 <a:pPr algn="ctr"/>
                 <a:r>
                   <a:rPr lang="en-NZ" sz="1000" dirty="0" smtClean="0"/>
-                  <a:t>UI</a:t>
-                </a:r>
-                <a:r>
-                  <a:rPr lang="en-NZ" sz="1000" dirty="0" smtClean="0"/>
-                  <a:t>: </a:t>
-                </a:r>
-                <a:r>
-                  <a:rPr lang="en-NZ" sz="1000" dirty="0" smtClean="0"/>
-                  <a:t>Identify </a:t>
+                  <a:t>UI: Identify </a:t>
                 </a:r>
                 <a:r>
                   <a:rPr lang="en-NZ" sz="1000" dirty="0" err="1" smtClean="0"/>
@@ -5151,7 +5145,6 @@
                   <a:rPr lang="en-NZ" sz="1000" dirty="0" smtClean="0"/>
                   <a:t> notch in AOP</a:t>
                 </a:r>
-                <a:endParaRPr lang="en-NZ" sz="1000" dirty="0" smtClean="0"/>
               </a:p>
             </p:txBody>
           </p:sp>
@@ -5269,7 +5262,6 @@
                   <a:rPr lang="en-NZ" sz="1000" dirty="0" smtClean="0"/>
                   <a:t> = 0</a:t>
                 </a:r>
-                <a:endParaRPr lang="en-NZ" sz="1000" dirty="0" smtClean="0"/>
               </a:p>
             </p:txBody>
           </p:sp>
@@ -5350,7 +5342,6 @@
                 <a:rPr lang="en-NZ" sz="1000" dirty="0" smtClean="0"/>
                 <a:t> = 0</a:t>
               </a:r>
-              <a:endParaRPr lang="en-NZ" sz="1000" dirty="0" smtClean="0"/>
             </a:p>
           </p:txBody>
         </p:sp>
@@ -5477,9 +5468,7 @@
             <a:prstGeom prst="rect">
               <a:avLst/>
             </a:prstGeom>
-            <a:solidFill>
-              <a:schemeClr val="bg1"/>
-            </a:solidFill>
+            <a:noFill/>
             <a:ln>
               <a:noFill/>
             </a:ln>
@@ -5535,7 +5524,6 @@
                 <a:rPr lang="en-NZ" sz="1000" dirty="0" smtClean="0"/>
                 <a:t>Identify ED</a:t>
               </a:r>
-              <a:endParaRPr lang="en-NZ" sz="1000" dirty="0" smtClean="0"/>
             </a:p>
           </p:txBody>
         </p:sp>
@@ -5609,7 +5597,6 @@
                 <a:rPr lang="en-NZ" sz="1000" dirty="0" smtClean="0"/>
                 <a:t>Identify DS</a:t>
               </a:r>
-              <a:endParaRPr lang="en-NZ" sz="1000" dirty="0" smtClean="0"/>
             </a:p>
           </p:txBody>
         </p:sp>
@@ -5957,6 +5944,36 @@
           </a:prstGeom>
         </p:spPr>
       </p:pic>
+      <p:sp>
+        <p:nvSpPr>
+          <p:cNvPr id="2" name="TextBox 1"/>
+          <p:cNvSpPr txBox="1"/>
+          <p:nvPr/>
+        </p:nvSpPr>
+        <p:spPr>
+          <a:xfrm>
+            <a:off x="10883" y="116632"/>
+            <a:ext cx="432048" cy="707886"/>
+          </a:xfrm>
+          <a:prstGeom prst="rect">
+            <a:avLst/>
+          </a:prstGeom>
+          <a:noFill/>
+        </p:spPr>
+        <p:txBody>
+          <a:bodyPr wrap="square" rtlCol="0">
+            <a:spAutoFit/>
+          </a:bodyPr>
+          <a:lstStyle/>
+          <a:p>
+            <a:r>
+              <a:rPr lang="en-NZ" sz="4000" dirty="0" smtClean="0"/>
+              <a:t>*</a:t>
+            </a:r>
+            <a:endParaRPr lang="en-NZ" sz="4000" dirty="0"/>
+          </a:p>
+        </p:txBody>
+      </p:sp>
     </p:spTree>
     <p:extLst>
       <p:ext uri="{BB962C8B-B14F-4D97-AF65-F5344CB8AC3E}">
